--- a/support/mesure_performance.pptx
+++ b/support/mesure_performance.pptx
@@ -127,6 +127,11 @@
       </a:defRPr>
     </a:lvl9pPr>
   </p:defaultTextStyle>
+  <p:extLst>
+    <p:ext uri="{EFAFB233-063F-42B5-8137-9DF3F51BA10A}">
+      <p15:sldGuideLst xmlns:p15="http://schemas.microsoft.com/office/powerpoint/2012/main"/>
+    </p:ext>
+  </p:extLst>
 </p:presentation>
 </file>
 
@@ -9745,8 +9750,8 @@
         </p:nvSpPr>
         <p:spPr>
           <a:xfrm>
-            <a:off x="432000" y="4259520"/>
-            <a:ext cx="9216000" cy="636480"/>
+            <a:off x="2230459" y="4259520"/>
+            <a:ext cx="5619080" cy="611021"/>
           </a:xfrm>
           <a:prstGeom prst="rect">
             <a:avLst/>
@@ -9776,7 +9781,7 @@
               <a:tabLst/>
             </a:pPr>
             <a:r>
-              <a:rPr lang="fr-FR" sz="3000" b="0" i="0" u="none" strike="noStrike" kern="1200" cap="none">
+              <a:rPr lang="fr-FR" sz="3000" b="0" i="0" u="none" strike="noStrike" kern="1200" cap="none" dirty="0">
                 <a:ln>
                   <a:noFill/>
                 </a:ln>
@@ -9787,7 +9792,7 @@
                 <a:ea typeface="Noto Sans CJK SC Regular" pitchFamily="2"/>
                 <a:cs typeface="FreeSans" pitchFamily="2"/>
               </a:rPr>
-              <a:t>Master DFE – année 2020/2021</a:t>
+              <a:t>Master DFE – année 2022/2023</a:t>
             </a:r>
           </a:p>
         </p:txBody>
@@ -11061,7 +11066,7 @@
       </p:sp>
       <p:pic>
         <p:nvPicPr>
-          <p:cNvPr id="19" name="">
+          <p:cNvPr id="19" name="Image 18">
             <a:extLst>
               <a:ext uri="{FF2B5EF4-FFF2-40B4-BE49-F238E27FC236}">
                 <a16:creationId xmlns:a16="http://schemas.microsoft.com/office/drawing/2014/main" id="{AC598344-6CD5-3036-26A8-77E893B3E071}"/>
@@ -11099,7 +11104,7 @@
       </p:pic>
       <p:pic>
         <p:nvPicPr>
-          <p:cNvPr id="20" name="">
+          <p:cNvPr id="20" name="Image 19">
             <a:extLst>
               <a:ext uri="{FF2B5EF4-FFF2-40B4-BE49-F238E27FC236}">
                 <a16:creationId xmlns:a16="http://schemas.microsoft.com/office/drawing/2014/main" id="{410065AC-54B4-904F-F72C-0CDA9D44EA4B}"/>
@@ -11135,8 +11140,8 @@
           </a:ln>
         </p:spPr>
       </p:pic>
-      <mc:AlternateContent xmlns:mc="http://schemas.openxmlformats.org/markup-compatibility/2006">
-        <mc:Choice xmlns:a14="http://schemas.microsoft.com/office/drawing/2010/main" Requires="a14">
+      <mc:AlternateContent xmlns:mc="http://schemas.openxmlformats.org/markup-compatibility/2006" xmlns:a14="http://schemas.microsoft.com/office/drawing/2010/main">
+        <mc:Choice Requires="a14">
           <p:sp>
             <p:nvSpPr>
               <p:cNvPr id="21" name="ZoneTexte 20">
@@ -11192,7 +11197,7 @@
                       <m:sSub>
                         <m:sSubPr>
                           <m:ctrlPr>
-                            <a:rPr lang="fr-FR">
+                            <a:rPr lang="fr-FR" i="1">
                               <a:solidFill>
                                 <a:srgbClr val="836967"/>
                               </a:solidFill>
@@ -11324,7 +11329,7 @@
             </p:txBody>
           </p:sp>
         </mc:Choice>
-        <mc:Fallback>
+        <mc:Fallback xmlns="">
           <p:sp>
             <p:nvSpPr>
               <p:cNvPr id="21" name="ZoneTexte 20">
@@ -12369,7 +12374,7 @@
       </p:sp>
       <p:pic>
         <p:nvPicPr>
-          <p:cNvPr id="18" name="">
+          <p:cNvPr id="18" name="Image 17">
             <a:extLst>
               <a:ext uri="{FF2B5EF4-FFF2-40B4-BE49-F238E27FC236}">
                 <a16:creationId xmlns:a16="http://schemas.microsoft.com/office/drawing/2014/main" id="{FA6E648B-9F83-EEF7-795A-A3BDBDC38711}"/>
@@ -12760,7 +12765,7 @@
       </p:sp>
       <p:pic>
         <p:nvPicPr>
-          <p:cNvPr id="5" name="">
+          <p:cNvPr id="5" name="Image 4">
             <a:extLst>
               <a:ext uri="{FF2B5EF4-FFF2-40B4-BE49-F238E27FC236}">
                 <a16:creationId xmlns:a16="http://schemas.microsoft.com/office/drawing/2014/main" id="{9FB1721B-F317-B17B-FB4D-79AE4D526FD3}"/>
@@ -13069,8 +13074,8 @@
           </a:p>
         </p:txBody>
       </p:sp>
-      <mc:AlternateContent xmlns:mc="http://schemas.openxmlformats.org/markup-compatibility/2006">
-        <mc:Choice xmlns:a14="http://schemas.microsoft.com/office/drawing/2010/main" Requires="a14">
+      <mc:AlternateContent xmlns:mc="http://schemas.openxmlformats.org/markup-compatibility/2006" xmlns:a14="http://schemas.microsoft.com/office/drawing/2010/main">
+        <mc:Choice Requires="a14">
           <p:sp>
             <p:nvSpPr>
               <p:cNvPr id="11" name="ZoneTexte 10">
@@ -13244,7 +13249,7 @@
             </p:txBody>
           </p:sp>
         </mc:Choice>
-        <mc:Fallback>
+        <mc:Fallback xmlns="">
           <p:sp>
             <p:nvSpPr>
               <p:cNvPr id="11" name="ZoneTexte 10">
@@ -13289,8 +13294,8 @@
           </p:sp>
         </mc:Fallback>
       </mc:AlternateContent>
-      <mc:AlternateContent xmlns:mc="http://schemas.openxmlformats.org/markup-compatibility/2006">
-        <mc:Choice xmlns:a14="http://schemas.microsoft.com/office/drawing/2010/main" Requires="a14">
+      <mc:AlternateContent xmlns:mc="http://schemas.openxmlformats.org/markup-compatibility/2006" xmlns:a14="http://schemas.microsoft.com/office/drawing/2010/main">
+        <mc:Choice Requires="a14">
           <p:sp>
             <p:nvSpPr>
               <p:cNvPr id="12" name="ZoneTexte 11">
@@ -13484,7 +13489,7 @@
             </p:txBody>
           </p:sp>
         </mc:Choice>
-        <mc:Fallback>
+        <mc:Fallback xmlns="">
           <p:sp>
             <p:nvSpPr>
               <p:cNvPr id="12" name="ZoneTexte 11">
@@ -13733,7 +13738,7 @@
       </p:sp>
       <p:pic>
         <p:nvPicPr>
-          <p:cNvPr id="5" name="">
+          <p:cNvPr id="5" name="Image 4">
             <a:extLst>
               <a:ext uri="{FF2B5EF4-FFF2-40B4-BE49-F238E27FC236}">
                 <a16:creationId xmlns:a16="http://schemas.microsoft.com/office/drawing/2014/main" id="{55FAF8F0-08F8-D161-590D-0F241EA845EA}"/>
@@ -13769,8 +13774,8 @@
           </a:ln>
         </p:spPr>
       </p:pic>
-      <mc:AlternateContent xmlns:mc="http://schemas.openxmlformats.org/markup-compatibility/2006">
-        <mc:Choice xmlns:a14="http://schemas.microsoft.com/office/drawing/2010/main" Requires="a14">
+      <mc:AlternateContent xmlns:mc="http://schemas.openxmlformats.org/markup-compatibility/2006" xmlns:a14="http://schemas.microsoft.com/office/drawing/2010/main">
+        <mc:Choice Requires="a14">
           <p:sp>
             <p:nvSpPr>
               <p:cNvPr id="7" name="ZoneTexte 6">
@@ -13983,7 +13988,7 @@
             </p:txBody>
           </p:sp>
         </mc:Choice>
-        <mc:Fallback>
+        <mc:Fallback xmlns="">
           <p:sp>
             <p:nvSpPr>
               <p:cNvPr id="7" name="ZoneTexte 6">
@@ -20537,7 +20542,7 @@
       </p:sp>
       <p:pic>
         <p:nvPicPr>
-          <p:cNvPr id="40" name="">
+          <p:cNvPr id="40" name="Image 39">
             <a:extLst>
               <a:ext uri="{FF2B5EF4-FFF2-40B4-BE49-F238E27FC236}">
                 <a16:creationId xmlns:a16="http://schemas.microsoft.com/office/drawing/2014/main" id="{B47FDAE4-51EE-9722-4967-86911E3EBC13}"/>
@@ -20999,7 +21004,7 @@
       </p:sp>
       <p:pic>
         <p:nvPicPr>
-          <p:cNvPr id="5" name="">
+          <p:cNvPr id="5" name="Image 4">
             <a:extLst>
               <a:ext uri="{FF2B5EF4-FFF2-40B4-BE49-F238E27FC236}">
                 <a16:creationId xmlns:a16="http://schemas.microsoft.com/office/drawing/2014/main" id="{158AD0C2-EFE8-92E4-372A-6D4AF556EA71}"/>
@@ -21410,7 +21415,7 @@
       </p:sp>
       <p:pic>
         <p:nvPicPr>
-          <p:cNvPr id="5" name="">
+          <p:cNvPr id="5" name="Image 4">
             <a:extLst>
               <a:ext uri="{FF2B5EF4-FFF2-40B4-BE49-F238E27FC236}">
                 <a16:creationId xmlns:a16="http://schemas.microsoft.com/office/drawing/2014/main" id="{0B134C3E-46EA-C27B-A238-56F4FDB44053}"/>
@@ -21611,8 +21616,8 @@
         </p:nvSpPr>
         <p:spPr>
           <a:xfrm>
-            <a:off x="360000" y="360000"/>
-            <a:ext cx="9504000" cy="1187640"/>
+            <a:off x="360000" y="308376"/>
+            <a:ext cx="4248577" cy="784467"/>
           </a:xfrm>
           <a:prstGeom prst="rect">
             <a:avLst/>
@@ -21628,7 +21633,7 @@
           </a:bodyPr>
           <a:lstStyle/>
           <a:p>
-            <a:pPr marL="0" marR="0" lvl="0" indent="0" algn="just" rtl="0" hangingPunct="0">
+            <a:pPr marL="0" marR="0" lvl="0" indent="0" rtl="0" hangingPunct="0">
               <a:lnSpc>
                 <a:spcPct val="100000"/>
               </a:lnSpc>
@@ -21642,7 +21647,7 @@
               <a:tabLst/>
             </a:pPr>
             <a:r>
-              <a:rPr lang="fr-FR" sz="2400" b="0" i="0" u="none" strike="noStrike" kern="1200" cap="none">
+              <a:rPr lang="fr-FR" sz="2400" b="0" i="0" u="none" strike="noStrike" kern="1200" cap="none" dirty="0">
                 <a:ln>
                   <a:noFill/>
                 </a:ln>
@@ -21653,8 +21658,33 @@
                 <a:ea typeface="Noto Sans CJK SC Regular" pitchFamily="2"/>
                 <a:cs typeface="FreeSans" pitchFamily="2"/>
               </a:rPr>
-              <a:t>Mesure du temps : MPI_WTIME</a:t>
+              <a:t>Mesure du temps : </a:t>
             </a:r>
+            <a:r>
+              <a:rPr lang="fr-FR" sz="2400" b="0" i="0" u="none" strike="noStrike" kern="1200" cap="none" dirty="0" err="1">
+                <a:ln>
+                  <a:noFill/>
+                </a:ln>
+                <a:solidFill>
+                  <a:srgbClr val="FFFFFF"/>
+                </a:solidFill>
+                <a:latin typeface="Clear Sans Light" pitchFamily="34"/>
+                <a:ea typeface="Noto Sans CJK SC Regular" pitchFamily="2"/>
+                <a:cs typeface="FreeSans" pitchFamily="2"/>
+              </a:rPr>
+              <a:t>MPI_Wtime</a:t>
+            </a:r>
+            <a:endParaRPr lang="fr-FR" sz="2400" b="0" i="0" u="none" strike="noStrike" kern="1200" cap="none" dirty="0">
+              <a:ln>
+                <a:noFill/>
+              </a:ln>
+              <a:solidFill>
+                <a:srgbClr val="FFFFFF"/>
+              </a:solidFill>
+              <a:latin typeface="Clear Sans Light" pitchFamily="34"/>
+              <a:ea typeface="Noto Sans CJK SC Regular" pitchFamily="2"/>
+              <a:cs typeface="FreeSans" pitchFamily="2"/>
+            </a:endParaRPr>
           </a:p>
           <a:p>
             <a:pPr marL="0" marR="0" lvl="0" indent="0" algn="just" rtl="0" hangingPunct="0">
@@ -21670,7 +21700,7 @@
               <a:buNone/>
               <a:tabLst/>
             </a:pPr>
-            <a:endParaRPr lang="fr-FR" sz="1600" b="0" i="1" u="none" strike="noStrike" kern="1200" cap="none">
+            <a:endParaRPr lang="fr-FR" sz="1600" b="0" i="1" u="none" strike="noStrike" kern="1200" cap="none" dirty="0">
               <a:ln>
                 <a:noFill/>
               </a:ln>
@@ -22140,7 +22170,18 @@
               <a:tabLst/>
             </a:pPr>
             <a:r>
-              <a:rPr lang="fr-FR" sz="1500" b="0" i="0" u="none" strike="noStrike" kern="1200" cap="none">
+              <a:rPr lang="fr-FR" sz="1500" dirty="0">
+                <a:solidFill>
+                  <a:srgbClr val="FFFFFF"/>
+                </a:solidFill>
+                <a:latin typeface="Liberation Mono" pitchFamily="49"/>
+                <a:ea typeface="Noto Sans CJK SC Regular" pitchFamily="2"/>
+                <a:cs typeface="FreeSans" pitchFamily="2"/>
+              </a:rPr>
+              <a:t>d</a:t>
+            </a:r>
+            <a:r>
+              <a:rPr lang="fr-FR" sz="1500" b="0" i="0" u="none" strike="noStrike" kern="1200" cap="none" dirty="0">
                 <a:ln>
                   <a:noFill/>
                 </a:ln>
@@ -22151,25 +22192,10 @@
                 <a:ea typeface="Noto Sans CJK SC Regular" pitchFamily="2"/>
                 <a:cs typeface="FreeSans" pitchFamily="2"/>
               </a:rPr>
-              <a:t>Real :: time</a:t>
+              <a:t>ouble Time = </a:t>
             </a:r>
-          </a:p>
-          <a:p>
-            <a:pPr marL="0" marR="0" lvl="0" indent="0" rtl="0" hangingPunct="0">
-              <a:lnSpc>
-                <a:spcPct val="100000"/>
-              </a:lnSpc>
-              <a:spcBef>
-                <a:spcPts val="0"/>
-              </a:spcBef>
-              <a:spcAft>
-                <a:spcPts val="0"/>
-              </a:spcAft>
-              <a:buNone/>
-              <a:tabLst/>
-            </a:pPr>
             <a:r>
-              <a:rPr lang="fr-FR" sz="1500" b="0" i="0" u="none" strike="noStrike" kern="1200" cap="none">
+              <a:rPr lang="fr-FR" sz="1500" b="0" i="0" u="none" strike="noStrike" kern="1200" cap="none" dirty="0" err="1">
                 <a:ln>
                   <a:noFill/>
                 </a:ln>
@@ -22180,14 +22206,28 @@
                 <a:ea typeface="Noto Sans CJK SC Regular" pitchFamily="2"/>
                 <a:cs typeface="FreeSans" pitchFamily="2"/>
               </a:rPr>
-              <a:t>Time = MPI_WTIME()</a:t>
+              <a:t>MPI_Wtime</a:t>
+            </a:r>
+            <a:r>
+              <a:rPr lang="fr-FR" sz="1500" b="0" i="0" u="none" strike="noStrike" kern="1200" cap="none" dirty="0">
+                <a:ln>
+                  <a:noFill/>
+                </a:ln>
+                <a:solidFill>
+                  <a:srgbClr val="FFFFFF"/>
+                </a:solidFill>
+                <a:latin typeface="Liberation Mono" pitchFamily="49"/>
+                <a:ea typeface="Noto Sans CJK SC Regular" pitchFamily="2"/>
+                <a:cs typeface="FreeSans" pitchFamily="2"/>
+              </a:rPr>
+              <a:t>();</a:t>
             </a:r>
           </a:p>
         </p:txBody>
       </p:sp>
       <p:pic>
         <p:nvPicPr>
-          <p:cNvPr id="8" name="">
+          <p:cNvPr id="8" name="Image 7">
             <a:extLst>
               <a:ext uri="{FF2B5EF4-FFF2-40B4-BE49-F238E27FC236}">
                 <a16:creationId xmlns:a16="http://schemas.microsoft.com/office/drawing/2014/main" id="{E24C16AF-ECFE-57D4-ADCA-76AD15E6A1CA}"/>
@@ -22237,8 +22277,8 @@
         </p:nvSpPr>
         <p:spPr>
           <a:xfrm>
-            <a:off x="468720" y="3000960"/>
-            <a:ext cx="936000" cy="399960"/>
+            <a:off x="631263" y="3000960"/>
+            <a:ext cx="610914" cy="403016"/>
           </a:xfrm>
           <a:prstGeom prst="rect">
             <a:avLst/>
@@ -22268,7 +22308,7 @@
               <a:tabLst/>
             </a:pPr>
             <a:r>
-              <a:rPr lang="fr-FR" sz="1800" b="0" i="0" u="none" strike="noStrike" kern="1200" cap="none">
+              <a:rPr lang="fr-FR" sz="1800" b="0" i="0" u="none" strike="noStrike" kern="1200" cap="none" dirty="0">
                 <a:ln>
                   <a:noFill/>
                 </a:ln>
@@ -22279,8 +22319,30 @@
                 <a:ea typeface="Noto Sans CJK SC Regular" pitchFamily="2"/>
                 <a:cs typeface="FreeSans" pitchFamily="2"/>
               </a:rPr>
-              <a:t>.f90</a:t>
+              <a:t>.</a:t>
             </a:r>
+            <a:r>
+              <a:rPr lang="fr-FR" dirty="0" err="1">
+                <a:solidFill>
+                  <a:srgbClr val="333333"/>
+                </a:solidFill>
+                <a:latin typeface="Clear Sans Light" pitchFamily="34"/>
+                <a:ea typeface="Noto Sans CJK SC Regular" pitchFamily="2"/>
+                <a:cs typeface="FreeSans" pitchFamily="2"/>
+              </a:rPr>
+              <a:t>cpp</a:t>
+            </a:r>
+            <a:endParaRPr lang="fr-FR" sz="1800" b="0" i="0" u="none" strike="noStrike" kern="1200" cap="none" dirty="0">
+              <a:ln>
+                <a:noFill/>
+              </a:ln>
+              <a:solidFill>
+                <a:srgbClr val="333333"/>
+              </a:solidFill>
+              <a:latin typeface="Clear Sans Light" pitchFamily="34"/>
+              <a:ea typeface="Noto Sans CJK SC Regular" pitchFamily="2"/>
+              <a:cs typeface="FreeSans" pitchFamily="2"/>
+            </a:endParaRPr>
           </a:p>
         </p:txBody>
       </p:sp>
@@ -22483,7 +22545,7 @@
               <a:tabLst/>
               <a:defRPr sz="1500"/>
             </a:pPr>
-            <a:endParaRPr lang="fr-FR" sz="1500" b="0" i="0" u="none" strike="noStrike" kern="1200" cap="none">
+            <a:endParaRPr lang="fr-FR" sz="1500" b="0" i="0" u="none" strike="noStrike" kern="1200" cap="none" dirty="0">
               <a:ln>
                 <a:noFill/>
               </a:ln>
@@ -22510,7 +22572,7 @@
               <a:tabLst/>
               <a:defRPr sz="1500"/>
             </a:pPr>
-            <a:endParaRPr lang="fr-FR" sz="1500" b="0" i="0" u="none" strike="noStrike" kern="1200" cap="none">
+            <a:endParaRPr lang="fr-FR" sz="1500" b="0" i="0" u="none" strike="noStrike" kern="1200" cap="none" dirty="0">
               <a:ln>
                 <a:noFill/>
               </a:ln>
@@ -22537,8 +22599,142 @@
               <a:tabLst/>
               <a:defRPr sz="1500"/>
             </a:pPr>
+            <a:endParaRPr lang="fr-FR" sz="1500" b="0" i="0" u="none" strike="noStrike" kern="1200" cap="none" dirty="0">
+              <a:ln>
+                <a:noFill/>
+              </a:ln>
+              <a:solidFill>
+                <a:srgbClr val="FFFFFF"/>
+              </a:solidFill>
+              <a:latin typeface="Liberation Mono" pitchFamily="49"/>
+              <a:ea typeface="Noto Sans CJK SC Regular" pitchFamily="2"/>
+              <a:cs typeface="FreeSans" pitchFamily="2"/>
+            </a:endParaRPr>
+          </a:p>
+          <a:p>
+            <a:pPr marL="0" marR="0" lvl="0" indent="0" algn="l" rtl="0" hangingPunct="0">
+              <a:lnSpc>
+                <a:spcPct val="100000"/>
+              </a:lnSpc>
+              <a:spcBef>
+                <a:spcPts val="0"/>
+              </a:spcBef>
+              <a:spcAft>
+                <a:spcPts val="0"/>
+              </a:spcAft>
+              <a:buNone/>
+              <a:tabLst/>
+              <a:defRPr sz="1500"/>
+            </a:pPr>
             <a:r>
-              <a:rPr lang="fr-FR" sz="1500" b="0" i="0" u="none" strike="noStrike" kern="1200" cap="none">
+              <a:rPr lang="fr-FR" sz="1500" dirty="0">
+                <a:solidFill>
+                  <a:srgbClr val="DD4814"/>
+                </a:solidFill>
+                <a:latin typeface="Liberation Mono" pitchFamily="49"/>
+                <a:ea typeface="Noto Sans CJK SC Regular" pitchFamily="2"/>
+                <a:cs typeface="FreeSans" pitchFamily="2"/>
+              </a:rPr>
+              <a:t>d</a:t>
+            </a:r>
+            <a:r>
+              <a:rPr lang="fr-FR" sz="1500" b="0" i="0" u="none" strike="noStrike" kern="1200" cap="none" dirty="0">
+                <a:ln>
+                  <a:noFill/>
+                </a:ln>
+                <a:solidFill>
+                  <a:srgbClr val="DD4814"/>
+                </a:solidFill>
+                <a:latin typeface="Liberation Mono" pitchFamily="49"/>
+                <a:ea typeface="Noto Sans CJK SC Regular" pitchFamily="2"/>
+                <a:cs typeface="FreeSans" pitchFamily="2"/>
+              </a:rPr>
+              <a:t>ouble time = </a:t>
+            </a:r>
+            <a:r>
+              <a:rPr lang="fr-FR" sz="1500" b="0" i="0" u="none" strike="noStrike" kern="1200" cap="none" dirty="0" err="1">
+                <a:ln>
+                  <a:noFill/>
+                </a:ln>
+                <a:solidFill>
+                  <a:srgbClr val="DD4814"/>
+                </a:solidFill>
+                <a:latin typeface="Liberation Mono" pitchFamily="49"/>
+                <a:ea typeface="Noto Sans CJK SC Regular" pitchFamily="2"/>
+                <a:cs typeface="FreeSans" pitchFamily="2"/>
+              </a:rPr>
+              <a:t>MPI_Wtime</a:t>
+            </a:r>
+            <a:r>
+              <a:rPr lang="fr-FR" sz="1500" b="0" i="0" u="none" strike="noStrike" kern="1200" cap="none" dirty="0">
+                <a:ln>
+                  <a:noFill/>
+                </a:ln>
+                <a:solidFill>
+                  <a:srgbClr val="DD4814"/>
+                </a:solidFill>
+                <a:latin typeface="Liberation Mono" pitchFamily="49"/>
+                <a:ea typeface="Noto Sans CJK SC Regular" pitchFamily="2"/>
+                <a:cs typeface="FreeSans" pitchFamily="2"/>
+              </a:rPr>
+              <a:t>);</a:t>
+            </a:r>
+          </a:p>
+          <a:p>
+            <a:pPr marL="0" marR="0" lvl="0" indent="0" algn="l" rtl="0" hangingPunct="0">
+              <a:lnSpc>
+                <a:spcPct val="100000"/>
+              </a:lnSpc>
+              <a:spcBef>
+                <a:spcPts val="0"/>
+              </a:spcBef>
+              <a:spcAft>
+                <a:spcPts val="0"/>
+              </a:spcAft>
+              <a:buNone/>
+              <a:tabLst/>
+              <a:defRPr sz="1500"/>
+            </a:pPr>
+            <a:endParaRPr lang="fr-FR" sz="1500" b="0" i="0" u="none" strike="noStrike" kern="1200" cap="none" dirty="0">
+              <a:ln>
+                <a:noFill/>
+              </a:ln>
+              <a:solidFill>
+                <a:srgbClr val="FFFFFF"/>
+              </a:solidFill>
+              <a:latin typeface="Liberation Mono" pitchFamily="49"/>
+              <a:ea typeface="Noto Sans CJK SC Regular" pitchFamily="2"/>
+              <a:cs typeface="FreeSans" pitchFamily="2"/>
+            </a:endParaRPr>
+          </a:p>
+          <a:p>
+            <a:pPr marL="0" marR="0" lvl="0" indent="0" algn="l" rtl="0" hangingPunct="0">
+              <a:lnSpc>
+                <a:spcPct val="100000"/>
+              </a:lnSpc>
+              <a:spcBef>
+                <a:spcPts val="0"/>
+              </a:spcBef>
+              <a:spcAft>
+                <a:spcPts val="0"/>
+              </a:spcAft>
+              <a:buNone/>
+              <a:tabLst/>
+              <a:defRPr sz="1500"/>
+            </a:pPr>
+            <a:r>
+              <a:rPr lang="fr-FR" sz="1500" dirty="0">
+                <a:solidFill>
+                  <a:srgbClr val="FFFFFF"/>
+                </a:solidFill>
+                <a:latin typeface="Liberation Mono" pitchFamily="49"/>
+                <a:ea typeface="Noto Sans CJK SC Regular" pitchFamily="2"/>
+                <a:cs typeface="FreeSans" pitchFamily="2"/>
+              </a:rPr>
+              <a:t>//</a:t>
+            </a:r>
+            <a:r>
+              <a:rPr lang="fr-FR" sz="1500" b="0" i="0" u="none" strike="noStrike" kern="1200" cap="none" dirty="0">
                 <a:ln>
                   <a:noFill/>
                 </a:ln>
@@ -22549,7 +22745,7 @@
                 <a:ea typeface="Noto Sans CJK SC Regular" pitchFamily="2"/>
                 <a:cs typeface="FreeSans" pitchFamily="2"/>
               </a:rPr>
-              <a:t>Real :: time</a:t>
+              <a:t> Des calculs...</a:t>
             </a:r>
           </a:p>
           <a:p>
@@ -22568,94 +22764,7 @@
               <a:defRPr sz="1500"/>
             </a:pPr>
             <a:r>
-              <a:rPr lang="fr-FR" sz="1500" b="0" i="0" u="none" strike="noStrike" kern="1200" cap="none">
-                <a:ln>
-                  <a:noFill/>
-                </a:ln>
-                <a:solidFill>
-                  <a:srgbClr val="DD4814"/>
-                </a:solidFill>
-                <a:latin typeface="Liberation Mono" pitchFamily="49"/>
-                <a:ea typeface="Noto Sans CJK SC Regular" pitchFamily="2"/>
-                <a:cs typeface="FreeSans" pitchFamily="2"/>
-              </a:rPr>
-              <a:t>time = MPI_WTIME()</a:t>
-            </a:r>
-          </a:p>
-          <a:p>
-            <a:pPr marL="0" marR="0" lvl="0" indent="0" algn="l" rtl="0" hangingPunct="0">
-              <a:lnSpc>
-                <a:spcPct val="100000"/>
-              </a:lnSpc>
-              <a:spcBef>
-                <a:spcPts val="0"/>
-              </a:spcBef>
-              <a:spcAft>
-                <a:spcPts val="0"/>
-              </a:spcAft>
-              <a:buNone/>
-              <a:tabLst/>
-              <a:defRPr sz="1500"/>
-            </a:pPr>
-            <a:endParaRPr lang="fr-FR" sz="1500" b="0" i="0" u="none" strike="noStrike" kern="1200" cap="none">
-              <a:ln>
-                <a:noFill/>
-              </a:ln>
-              <a:solidFill>
-                <a:srgbClr val="FFFFFF"/>
-              </a:solidFill>
-              <a:latin typeface="Liberation Mono" pitchFamily="49"/>
-              <a:ea typeface="Noto Sans CJK SC Regular" pitchFamily="2"/>
-              <a:cs typeface="FreeSans" pitchFamily="2"/>
-            </a:endParaRPr>
-          </a:p>
-          <a:p>
-            <a:pPr marL="0" marR="0" lvl="0" indent="0" algn="l" rtl="0" hangingPunct="0">
-              <a:lnSpc>
-                <a:spcPct val="100000"/>
-              </a:lnSpc>
-              <a:spcBef>
-                <a:spcPts val="0"/>
-              </a:spcBef>
-              <a:spcAft>
-                <a:spcPts val="0"/>
-              </a:spcAft>
-              <a:buNone/>
-              <a:tabLst/>
-              <a:defRPr sz="1500"/>
-            </a:pPr>
-            <a:r>
-              <a:rPr lang="fr-FR" sz="1500" b="0" i="0" u="none" strike="noStrike" kern="1200" cap="none">
-                <a:ln>
-                  <a:noFill/>
-                </a:ln>
-                <a:solidFill>
-                  <a:srgbClr val="FFFFFF"/>
-                </a:solidFill>
-                <a:latin typeface="Liberation Mono" pitchFamily="49"/>
-                <a:ea typeface="Noto Sans CJK SC Regular" pitchFamily="2"/>
-                <a:cs typeface="FreeSans" pitchFamily="2"/>
-              </a:rPr>
-              <a:t>! Des calculs...</a:t>
-            </a:r>
-          </a:p>
-          <a:p>
-            <a:pPr marL="0" marR="0" lvl="0" indent="0" algn="l" rtl="0" hangingPunct="0">
-              <a:lnSpc>
-                <a:spcPct val="100000"/>
-              </a:lnSpc>
-              <a:spcBef>
-                <a:spcPts val="0"/>
-              </a:spcBef>
-              <a:spcAft>
-                <a:spcPts val="0"/>
-              </a:spcAft>
-              <a:buNone/>
-              <a:tabLst/>
-              <a:defRPr sz="1500"/>
-            </a:pPr>
-            <a:r>
-              <a:rPr lang="fr-FR" sz="1500" b="0" i="0" u="none" strike="noStrike" kern="1200" cap="none">
+              <a:rPr lang="fr-FR" sz="1500" b="0" i="0" u="none" strike="noStrike" kern="1200" cap="none" dirty="0">
                 <a:ln>
                   <a:noFill/>
                 </a:ln>
@@ -22684,7 +22793,7 @@
               <a:tabLst/>
               <a:defRPr sz="1500"/>
             </a:pPr>
-            <a:endParaRPr lang="fr-FR" sz="1500" b="0" i="0" u="none" strike="noStrike" kern="1200" cap="none">
+            <a:endParaRPr lang="fr-FR" sz="1500" b="0" i="0" u="none" strike="noStrike" kern="1200" cap="none" dirty="0">
               <a:ln>
                 <a:noFill/>
               </a:ln>
@@ -22712,7 +22821,18 @@
               <a:defRPr sz="1500"/>
             </a:pPr>
             <a:r>
-              <a:rPr lang="fr-FR" sz="1500" b="0" i="0" u="none" strike="noStrike" kern="1200" cap="none">
+              <a:rPr lang="fr-FR" sz="1500" dirty="0">
+                <a:solidFill>
+                  <a:srgbClr val="FFFFFF"/>
+                </a:solidFill>
+                <a:latin typeface="Liberation Mono" pitchFamily="49"/>
+                <a:ea typeface="Noto Sans CJK SC Regular" pitchFamily="2"/>
+                <a:cs typeface="FreeSans" pitchFamily="2"/>
+              </a:rPr>
+              <a:t>//</a:t>
+            </a:r>
+            <a:r>
+              <a:rPr lang="fr-FR" sz="1500" b="0" i="0" u="none" strike="noStrike" kern="1200" cap="none" dirty="0">
                 <a:ln>
                   <a:noFill/>
                 </a:ln>
@@ -22723,7 +22843,7 @@
                 <a:ea typeface="Noto Sans CJK SC Regular" pitchFamily="2"/>
                 <a:cs typeface="FreeSans" pitchFamily="2"/>
               </a:rPr>
-              <a:t>! Ce temps est le temps passé entre les deux appels à MPI_WTIME</a:t>
+              <a:t> Ce temps est le temps passé entre les deux appels à MPI_WTIME</a:t>
             </a:r>
           </a:p>
           <a:p>
@@ -22742,7 +22862,7 @@
               <a:defRPr sz="1500"/>
             </a:pPr>
             <a:r>
-              <a:rPr lang="fr-FR" sz="1500" b="0" i="0" u="none" strike="noStrike" kern="1200" cap="none">
+              <a:rPr lang="fr-FR" sz="1500" b="0" i="0" u="none" strike="noStrike" kern="1200" cap="none" dirty="0">
                 <a:ln>
                   <a:noFill/>
                 </a:ln>
@@ -22753,7 +22873,7 @@
                 <a:ea typeface="Noto Sans CJK SC Regular" pitchFamily="2"/>
                 <a:cs typeface="FreeSans" pitchFamily="2"/>
               </a:rPr>
-              <a:t>time = MPI_WTIME() - time</a:t>
+              <a:t>time = MPI_WTIME() – time;</a:t>
             </a:r>
           </a:p>
           <a:p>
@@ -22771,7 +22891,7 @@
               <a:tabLst/>
               <a:defRPr sz="1500"/>
             </a:pPr>
-            <a:endParaRPr lang="fr-FR" sz="1500" b="0" i="0" u="none" strike="noStrike" kern="1200" cap="none">
+            <a:endParaRPr lang="fr-FR" sz="1500" b="0" i="0" u="none" strike="noStrike" kern="1200" cap="none" dirty="0">
               <a:ln>
                 <a:noFill/>
               </a:ln>
@@ -22798,7 +22918,7 @@
               <a:tabLst/>
               <a:defRPr sz="1500"/>
             </a:pPr>
-            <a:endParaRPr lang="fr-FR" sz="1500" b="0" i="0" u="none" strike="noStrike" kern="1200" cap="none">
+            <a:endParaRPr lang="fr-FR" sz="1500" b="0" i="0" u="none" strike="noStrike" kern="1200" cap="none" dirty="0">
               <a:ln>
                 <a:noFill/>
               </a:ln>
@@ -22814,7 +22934,7 @@
       </p:sp>
       <p:pic>
         <p:nvPicPr>
-          <p:cNvPr id="12" name="">
+          <p:cNvPr id="12" name="Image 11">
             <a:extLst>
               <a:ext uri="{FF2B5EF4-FFF2-40B4-BE49-F238E27FC236}">
                 <a16:creationId xmlns:a16="http://schemas.microsoft.com/office/drawing/2014/main" id="{45C0337F-9B55-0A8A-18D4-573394C9E69B}"/>
@@ -22864,8 +22984,8 @@
         </p:nvSpPr>
         <p:spPr>
           <a:xfrm>
-            <a:off x="469080" y="5052960"/>
-            <a:ext cx="936000" cy="399960"/>
+            <a:off x="631623" y="5052960"/>
+            <a:ext cx="610914" cy="403016"/>
           </a:xfrm>
           <a:prstGeom prst="rect">
             <a:avLst/>
@@ -22895,7 +23015,7 @@
               <a:tabLst/>
             </a:pPr>
             <a:r>
-              <a:rPr lang="fr-FR" sz="1800" b="0" i="0" u="none" strike="noStrike" kern="1200" cap="none">
+              <a:rPr lang="fr-FR" sz="1800" b="0" i="0" u="none" strike="noStrike" kern="1200" cap="none" dirty="0">
                 <a:ln>
                   <a:noFill/>
                 </a:ln>
@@ -22906,14 +23026,36 @@
                 <a:ea typeface="Noto Sans CJK SC Regular" pitchFamily="2"/>
                 <a:cs typeface="FreeSans" pitchFamily="2"/>
               </a:rPr>
-              <a:t>.f90</a:t>
+              <a:t>.</a:t>
             </a:r>
+            <a:r>
+              <a:rPr lang="fr-FR" dirty="0" err="1">
+                <a:solidFill>
+                  <a:srgbClr val="333333"/>
+                </a:solidFill>
+                <a:latin typeface="Clear Sans Light" pitchFamily="34"/>
+                <a:ea typeface="Noto Sans CJK SC Regular" pitchFamily="2"/>
+                <a:cs typeface="FreeSans" pitchFamily="2"/>
+              </a:rPr>
+              <a:t>cpp</a:t>
+            </a:r>
+            <a:endParaRPr lang="fr-FR" sz="1800" b="0" i="0" u="none" strike="noStrike" kern="1200" cap="none" dirty="0">
+              <a:ln>
+                <a:noFill/>
+              </a:ln>
+              <a:solidFill>
+                <a:srgbClr val="333333"/>
+              </a:solidFill>
+              <a:latin typeface="Clear Sans Light" pitchFamily="34"/>
+              <a:ea typeface="Noto Sans CJK SC Regular" pitchFamily="2"/>
+              <a:cs typeface="FreeSans" pitchFamily="2"/>
+            </a:endParaRPr>
           </a:p>
         </p:txBody>
       </p:sp>
       <p:pic>
         <p:nvPicPr>
-          <p:cNvPr id="14" name="">
+          <p:cNvPr id="14" name="Image 13">
             <a:extLst>
               <a:ext uri="{FF2B5EF4-FFF2-40B4-BE49-F238E27FC236}">
                 <a16:creationId xmlns:a16="http://schemas.microsoft.com/office/drawing/2014/main" id="{E7750C6D-EE67-CC68-7579-2DA88834406C}"/>
@@ -27341,7 +27483,7 @@
       </p:sp>
       <p:pic>
         <p:nvPicPr>
-          <p:cNvPr id="28" name="">
+          <p:cNvPr id="28" name="Image 27">
             <a:extLst>
               <a:ext uri="{FF2B5EF4-FFF2-40B4-BE49-F238E27FC236}">
                 <a16:creationId xmlns:a16="http://schemas.microsoft.com/office/drawing/2014/main" id="{B8D04CC7-6817-896F-4B59-7DAF90351B93}"/>
@@ -27379,7 +27521,7 @@
       </p:pic>
       <p:pic>
         <p:nvPicPr>
-          <p:cNvPr id="29" name="">
+          <p:cNvPr id="29" name="Image 28">
             <a:extLst>
               <a:ext uri="{FF2B5EF4-FFF2-40B4-BE49-F238E27FC236}">
                 <a16:creationId xmlns:a16="http://schemas.microsoft.com/office/drawing/2014/main" id="{9195A691-93EE-9D11-527A-871DBE9658DB}"/>
@@ -27813,7 +27955,7 @@
       </p:sp>
       <p:pic>
         <p:nvPicPr>
-          <p:cNvPr id="5" name="">
+          <p:cNvPr id="5" name="Image 4">
             <a:extLst>
               <a:ext uri="{FF2B5EF4-FFF2-40B4-BE49-F238E27FC236}">
                 <a16:creationId xmlns:a16="http://schemas.microsoft.com/office/drawing/2014/main" id="{D1BCA313-8164-E9D9-515D-DF9CC58966A9}"/>
@@ -28163,7 +28305,7 @@
       </p:sp>
       <p:pic>
         <p:nvPicPr>
-          <p:cNvPr id="7" name="">
+          <p:cNvPr id="7" name="Image 6">
             <a:extLst>
               <a:ext uri="{FF2B5EF4-FFF2-40B4-BE49-F238E27FC236}">
                 <a16:creationId xmlns:a16="http://schemas.microsoft.com/office/drawing/2014/main" id="{A7810174-CAB1-D223-0D50-D5A34D74D1F6}"/>
@@ -28201,7 +28343,7 @@
       </p:pic>
       <p:pic>
         <p:nvPicPr>
-          <p:cNvPr id="8" name="">
+          <p:cNvPr id="8" name="Image 7">
             <a:extLst>
               <a:ext uri="{FF2B5EF4-FFF2-40B4-BE49-F238E27FC236}">
                 <a16:creationId xmlns:a16="http://schemas.microsoft.com/office/drawing/2014/main" id="{00097396-EB93-86CC-ADC1-021938F2AF1F}"/>
@@ -31232,7 +31374,7 @@
       </p:sp>
       <p:pic>
         <p:nvPicPr>
-          <p:cNvPr id="26" name="">
+          <p:cNvPr id="26" name="Image 25">
             <a:extLst>
               <a:ext uri="{FF2B5EF4-FFF2-40B4-BE49-F238E27FC236}">
                 <a16:creationId xmlns:a16="http://schemas.microsoft.com/office/drawing/2014/main" id="{B58A26ED-24CC-9110-6D67-E4F83B761412}"/>
@@ -31270,7 +31412,7 @@
       </p:pic>
       <p:pic>
         <p:nvPicPr>
-          <p:cNvPr id="27" name="">
+          <p:cNvPr id="27" name="Image 26">
             <a:extLst>
               <a:ext uri="{FF2B5EF4-FFF2-40B4-BE49-F238E27FC236}">
                 <a16:creationId xmlns:a16="http://schemas.microsoft.com/office/drawing/2014/main" id="{71D66A9F-7A6B-DCC1-AD65-7D37CB128F9B}"/>
@@ -34184,7 +34326,7 @@
       </p:sp>
       <p:pic>
         <p:nvPicPr>
-          <p:cNvPr id="25" name="">
+          <p:cNvPr id="25" name="Image 24">
             <a:extLst>
               <a:ext uri="{FF2B5EF4-FFF2-40B4-BE49-F238E27FC236}">
                 <a16:creationId xmlns:a16="http://schemas.microsoft.com/office/drawing/2014/main" id="{F22FEDC8-A916-E027-954A-6FBE65F64909}"/>
@@ -34222,7 +34364,7 @@
       </p:pic>
       <p:pic>
         <p:nvPicPr>
-          <p:cNvPr id="26" name="">
+          <p:cNvPr id="26" name="Image 25">
             <a:extLst>
               <a:ext uri="{FF2B5EF4-FFF2-40B4-BE49-F238E27FC236}">
                 <a16:creationId xmlns:a16="http://schemas.microsoft.com/office/drawing/2014/main" id="{31AE311C-04CB-78BE-B850-2A935F552A97}"/>
@@ -35507,7 +35649,7 @@
       </p:sp>
       <p:pic>
         <p:nvPicPr>
-          <p:cNvPr id="18" name="">
+          <p:cNvPr id="18" name="Image 17">
             <a:extLst>
               <a:ext uri="{FF2B5EF4-FFF2-40B4-BE49-F238E27FC236}">
                 <a16:creationId xmlns:a16="http://schemas.microsoft.com/office/drawing/2014/main" id="{F054B6A3-D25B-507A-569E-3CB3FCE1DAC9}"/>
@@ -35545,7 +35687,7 @@
       </p:pic>
       <p:pic>
         <p:nvPicPr>
-          <p:cNvPr id="19" name="">
+          <p:cNvPr id="19" name="Image 18">
             <a:extLst>
               <a:ext uri="{FF2B5EF4-FFF2-40B4-BE49-F238E27FC236}">
                 <a16:creationId xmlns:a16="http://schemas.microsoft.com/office/drawing/2014/main" id="{F65F1A1C-7476-0076-33BD-AAF814BA156D}"/>
@@ -35581,8 +35723,8 @@
           </a:ln>
         </p:spPr>
       </p:pic>
-      <mc:AlternateContent xmlns:mc="http://schemas.openxmlformats.org/markup-compatibility/2006">
-        <mc:Choice xmlns:a14="http://schemas.microsoft.com/office/drawing/2010/main" Requires="a14">
+      <mc:AlternateContent xmlns:mc="http://schemas.openxmlformats.org/markup-compatibility/2006" xmlns:a14="http://schemas.microsoft.com/office/drawing/2010/main">
+        <mc:Choice Requires="a14">
           <p:sp>
             <p:nvSpPr>
               <p:cNvPr id="21" name="ZoneTexte 20">
@@ -35638,7 +35780,7 @@
                       <m:sSub>
                         <m:sSubPr>
                           <m:ctrlPr>
-                            <a:rPr lang="fr-FR">
+                            <a:rPr lang="fr-FR" i="1">
                               <a:solidFill>
                                 <a:srgbClr val="836967"/>
                               </a:solidFill>
@@ -35751,14 +35893,14 @@
                     </m:oMath>
                   </m:oMathPara>
                 </a14:m>
-                <a:endParaRPr lang="fr-FR" i="0">
+                <a:endParaRPr lang="fr-FR" i="0" dirty="0">
                   <a:latin typeface="Liberation Sans" pitchFamily="18"/>
                 </a:endParaRPr>
               </a:p>
             </p:txBody>
           </p:sp>
         </mc:Choice>
-        <mc:Fallback>
+        <mc:Fallback xmlns="">
           <p:sp>
             <p:nvSpPr>
               <p:cNvPr id="21" name="ZoneTexte 20">
@@ -41222,7 +41364,7 @@
       </p:sp>
       <p:pic>
         <p:nvPicPr>
-          <p:cNvPr id="43" name="">
+          <p:cNvPr id="43" name="Image 42">
             <a:extLst>
               <a:ext uri="{FF2B5EF4-FFF2-40B4-BE49-F238E27FC236}">
                 <a16:creationId xmlns:a16="http://schemas.microsoft.com/office/drawing/2014/main" id="{6804B337-569E-8688-8838-D1126C80E303}"/>
@@ -41260,7 +41402,7 @@
       </p:pic>
       <p:pic>
         <p:nvPicPr>
-          <p:cNvPr id="44" name="">
+          <p:cNvPr id="44" name="Image 43">
             <a:extLst>
               <a:ext uri="{FF2B5EF4-FFF2-40B4-BE49-F238E27FC236}">
                 <a16:creationId xmlns:a16="http://schemas.microsoft.com/office/drawing/2014/main" id="{CAB074C4-0E77-8A90-2672-11E209051D61}"/>
@@ -46836,7 +46978,7 @@
       </p:sp>
       <p:pic>
         <p:nvPicPr>
-          <p:cNvPr id="42" name="">
+          <p:cNvPr id="42" name="Image 41">
             <a:extLst>
               <a:ext uri="{FF2B5EF4-FFF2-40B4-BE49-F238E27FC236}">
                 <a16:creationId xmlns:a16="http://schemas.microsoft.com/office/drawing/2014/main" id="{4BDA5381-5A5E-53EE-BD92-91A1B342F9DE}"/>
@@ -46874,7 +47016,7 @@
       </p:pic>
       <p:pic>
         <p:nvPicPr>
-          <p:cNvPr id="43" name="">
+          <p:cNvPr id="43" name="Image 42">
             <a:extLst>
               <a:ext uri="{FF2B5EF4-FFF2-40B4-BE49-F238E27FC236}">
                 <a16:creationId xmlns:a16="http://schemas.microsoft.com/office/drawing/2014/main" id="{A2B6C881-180E-373C-130C-094206A5A834}"/>

--- a/support/mesure_performance.pptx
+++ b/support/mesure_performance.pptx
@@ -10094,74 +10094,6 @@
       </p:sp>
       <p:sp>
         <p:nvSpPr>
-          <p:cNvPr id="4" name="ZoneTexte 3">
-            <a:extLst>
-              <a:ext uri="{FF2B5EF4-FFF2-40B4-BE49-F238E27FC236}">
-                <a16:creationId xmlns:a16="http://schemas.microsoft.com/office/drawing/2014/main" id="{F9ADC4DA-4A61-B788-D2F2-E69E64AAD305}"/>
-              </a:ext>
-            </a:extLst>
-          </p:cNvPr>
-          <p:cNvSpPr txBox="1"/>
-          <p:nvPr/>
-        </p:nvSpPr>
-        <p:spPr>
-          <a:xfrm>
-            <a:off x="1368360" y="6674040"/>
-            <a:ext cx="8711640" cy="709560"/>
-          </a:xfrm>
-          <a:prstGeom prst="rect">
-            <a:avLst/>
-          </a:prstGeom>
-          <a:noFill/>
-          <a:ln>
-            <a:noFill/>
-          </a:ln>
-        </p:spPr>
-        <p:txBody>
-          <a:bodyPr vert="horz" wrap="none" lIns="90000" tIns="45000" rIns="90000" bIns="45000" anchorCtr="0" compatLnSpc="0"/>
-          <a:lstStyle/>
-          <a:p>
-            <a:pPr marL="0" marR="0" lvl="0" indent="0" rtl="0" hangingPunct="0">
-              <a:lnSpc>
-                <a:spcPct val="100000"/>
-              </a:lnSpc>
-              <a:spcBef>
-                <a:spcPts val="0"/>
-              </a:spcBef>
-              <a:spcAft>
-                <a:spcPts val="0"/>
-              </a:spcAft>
-              <a:buNone/>
-              <a:tabLst/>
-            </a:pPr>
-            <a:r>
-              <a:rPr lang="fr-FR" sz="1600" b="0" i="0" u="none" strike="noStrike" kern="1200" cap="none">
-                <a:ln>
-                  <a:noFill/>
-                </a:ln>
-                <a:latin typeface="Clear Sans Light" pitchFamily="34"/>
-                <a:ea typeface="Noto Sans CJK SC Regular" pitchFamily="2"/>
-                <a:cs typeface="FreeSans" pitchFamily="2"/>
-                <a:hlinkClick r:id="rId3"/>
-              </a:rPr>
-              <a:t>https://www.sharcnet.ca/help/index.php/Measuring_Parallel_Scaling_Performance</a:t>
-            </a:r>
-            <a:r>
-              <a:rPr lang="fr-FR" sz="1600" b="0" i="0" u="none" strike="noStrike" kern="1200" cap="none">
-                <a:ln>
-                  <a:noFill/>
-                </a:ln>
-                <a:latin typeface="Clear Sans Light" pitchFamily="34"/>
-                <a:ea typeface="Noto Sans CJK SC Regular" pitchFamily="2"/>
-                <a:cs typeface="FreeSans" pitchFamily="2"/>
-              </a:rPr>
-              <a:t> </a:t>
-            </a:r>
-          </a:p>
-        </p:txBody>
-      </p:sp>
-      <p:sp>
-        <p:nvSpPr>
           <p:cNvPr id="5" name="ZoneTexte 4">
             <a:extLst>
               <a:ext uri="{FF2B5EF4-FFF2-40B4-BE49-F238E27FC236}">
@@ -10513,64 +10445,6 @@
       </p:sp>
       <p:sp>
         <p:nvSpPr>
-          <p:cNvPr id="9" name="ZoneTexte 8">
-            <a:extLst>
-              <a:ext uri="{FF2B5EF4-FFF2-40B4-BE49-F238E27FC236}">
-                <a16:creationId xmlns:a16="http://schemas.microsoft.com/office/drawing/2014/main" id="{469D25BA-B96A-F651-2B2D-32469F52164C}"/>
-              </a:ext>
-            </a:extLst>
-          </p:cNvPr>
-          <p:cNvSpPr txBox="1"/>
-          <p:nvPr/>
-        </p:nvSpPr>
-        <p:spPr>
-          <a:xfrm rot="5400000">
-            <a:off x="-471420" y="8027819"/>
-            <a:ext cx="3528000" cy="399960"/>
-          </a:xfrm>
-          <a:prstGeom prst="rect">
-            <a:avLst/>
-          </a:prstGeom>
-          <a:noFill/>
-          <a:ln>
-            <a:noFill/>
-          </a:ln>
-        </p:spPr>
-        <p:txBody>
-          <a:bodyPr vert="horz" wrap="none" lIns="90000" tIns="45000" rIns="90000" bIns="45000" anchorCtr="0" compatLnSpc="0">
-            <a:spAutoFit/>
-          </a:bodyPr>
-          <a:lstStyle/>
-          <a:p>
-            <a:pPr marL="0" marR="0" lvl="0" indent="0" algn="ctr" rtl="0" hangingPunct="0">
-              <a:lnSpc>
-                <a:spcPct val="100000"/>
-              </a:lnSpc>
-              <a:spcBef>
-                <a:spcPts val="0"/>
-              </a:spcBef>
-              <a:spcAft>
-                <a:spcPts val="0"/>
-              </a:spcAft>
-              <a:buNone/>
-              <a:tabLst/>
-            </a:pPr>
-            <a:r>
-              <a:rPr lang="fr-FR" sz="1800" b="0" i="0" u="none" strike="noStrike" kern="1200" cap="none">
-                <a:ln>
-                  <a:noFill/>
-                </a:ln>
-                <a:latin typeface="Clear Sans Light" pitchFamily="34"/>
-                <a:ea typeface="Noto Sans CJK SC Regular" pitchFamily="2"/>
-                <a:cs typeface="FreeSans" pitchFamily="2"/>
-              </a:rPr>
-              <a:t>Efficacité</a:t>
-            </a:r>
-          </a:p>
-        </p:txBody>
-      </p:sp>
-      <p:sp>
-        <p:nvSpPr>
           <p:cNvPr id="10" name="Connecteur droit 9">
             <a:extLst>
               <a:ext uri="{FF2B5EF4-FFF2-40B4-BE49-F238E27FC236}">
@@ -11066,10 +10940,10 @@
       </p:sp>
       <p:pic>
         <p:nvPicPr>
-          <p:cNvPr id="19" name="Image 18">
-            <a:extLst>
-              <a:ext uri="{FF2B5EF4-FFF2-40B4-BE49-F238E27FC236}">
-                <a16:creationId xmlns:a16="http://schemas.microsoft.com/office/drawing/2014/main" id="{AC598344-6CD5-3036-26A8-77E893B3E071}"/>
+          <p:cNvPr id="20" name="Image 19">
+            <a:extLst>
+              <a:ext uri="{FF2B5EF4-FFF2-40B4-BE49-F238E27FC236}">
+                <a16:creationId xmlns:a16="http://schemas.microsoft.com/office/drawing/2014/main" id="{410065AC-54B4-904F-F72C-0CDA9D44EA4B}"/>
               </a:ext>
             </a:extLst>
           </p:cNvPr>
@@ -11079,45 +10953,7 @@
           <p:nvPr/>
         </p:nvPicPr>
         <p:blipFill>
-          <a:blip r:embed="rId4">
-            <a:lum/>
-            <a:alphaModFix/>
-          </a:blip>
-          <a:srcRect/>
-          <a:stretch>
-            <a:fillRect/>
-          </a:stretch>
-        </p:blipFill>
-        <p:spPr>
-          <a:xfrm>
-            <a:off x="575280" y="6335280"/>
-            <a:ext cx="792000" cy="792000"/>
-          </a:xfrm>
-          <a:prstGeom prst="rect">
-            <a:avLst/>
-          </a:prstGeom>
-          <a:noFill/>
-          <a:ln>
-            <a:noFill/>
-          </a:ln>
-        </p:spPr>
-      </p:pic>
-      <p:pic>
-        <p:nvPicPr>
-          <p:cNvPr id="20" name="Image 19">
-            <a:extLst>
-              <a:ext uri="{FF2B5EF4-FFF2-40B4-BE49-F238E27FC236}">
-                <a16:creationId xmlns:a16="http://schemas.microsoft.com/office/drawing/2014/main" id="{410065AC-54B4-904F-F72C-0CDA9D44EA4B}"/>
-              </a:ext>
-            </a:extLst>
-          </p:cNvPr>
-          <p:cNvPicPr>
-            <a:picLocks noChangeAspect="1"/>
-          </p:cNvPicPr>
-          <p:nvPr/>
-        </p:nvPicPr>
-        <p:blipFill>
-          <a:blip r:embed="rId5">
+          <a:blip r:embed="rId3">
             <a:lum/>
             <a:alphaModFix/>
           </a:blip>
@@ -11377,6 +11213,64 @@
           </p:sp>
         </mc:Fallback>
       </mc:AlternateContent>
+      <p:sp>
+        <p:nvSpPr>
+          <p:cNvPr id="18" name="ZoneTexte 17">
+            <a:extLst>
+              <a:ext uri="{FF2B5EF4-FFF2-40B4-BE49-F238E27FC236}">
+                <a16:creationId xmlns:a16="http://schemas.microsoft.com/office/drawing/2014/main" id="{30438DFE-BFB9-F80F-C748-1E1030D6AFAC}"/>
+              </a:ext>
+            </a:extLst>
+          </p:cNvPr>
+          <p:cNvSpPr txBox="1"/>
+          <p:nvPr/>
+        </p:nvSpPr>
+        <p:spPr>
+          <a:xfrm rot="16200000">
+            <a:off x="-99541" y="4547521"/>
+            <a:ext cx="3528000" cy="399960"/>
+          </a:xfrm>
+          <a:prstGeom prst="rect">
+            <a:avLst/>
+          </a:prstGeom>
+          <a:noFill/>
+          <a:ln>
+            <a:noFill/>
+          </a:ln>
+        </p:spPr>
+        <p:txBody>
+          <a:bodyPr vert="horz" wrap="none" lIns="90000" tIns="45000" rIns="90000" bIns="45000" anchorCtr="0" compatLnSpc="0">
+            <a:spAutoFit/>
+          </a:bodyPr>
+          <a:lstStyle/>
+          <a:p>
+            <a:pPr marL="0" marR="0" lvl="0" indent="0" algn="ctr" rtl="0" hangingPunct="0">
+              <a:lnSpc>
+                <a:spcPct val="100000"/>
+              </a:lnSpc>
+              <a:spcBef>
+                <a:spcPts val="0"/>
+              </a:spcBef>
+              <a:spcAft>
+                <a:spcPts val="0"/>
+              </a:spcAft>
+              <a:buNone/>
+              <a:tabLst/>
+            </a:pPr>
+            <a:r>
+              <a:rPr lang="fr-FR" sz="1800" b="0" i="0" u="none" strike="noStrike" kern="1200" cap="none" dirty="0">
+                <a:ln>
+                  <a:noFill/>
+                </a:ln>
+                <a:latin typeface="Clear Sans Light" pitchFamily="34"/>
+                <a:ea typeface="Noto Sans CJK SC Regular" pitchFamily="2"/>
+                <a:cs typeface="FreeSans" pitchFamily="2"/>
+              </a:rPr>
+              <a:t>Efficacité</a:t>
+            </a:r>
+          </a:p>
+        </p:txBody>
+      </p:sp>
     </p:spTree>
   </p:cSld>
   <p:clrMapOvr>
@@ -11581,74 +11475,6 @@
       </p:sp>
       <p:sp>
         <p:nvSpPr>
-          <p:cNvPr id="4" name="ZoneTexte 3">
-            <a:extLst>
-              <a:ext uri="{FF2B5EF4-FFF2-40B4-BE49-F238E27FC236}">
-                <a16:creationId xmlns:a16="http://schemas.microsoft.com/office/drawing/2014/main" id="{EF546C5E-C368-F4EB-E457-23361F63C899}"/>
-              </a:ext>
-            </a:extLst>
-          </p:cNvPr>
-          <p:cNvSpPr txBox="1"/>
-          <p:nvPr/>
-        </p:nvSpPr>
-        <p:spPr>
-          <a:xfrm>
-            <a:off x="1368360" y="6674040"/>
-            <a:ext cx="8711640" cy="709560"/>
-          </a:xfrm>
-          <a:prstGeom prst="rect">
-            <a:avLst/>
-          </a:prstGeom>
-          <a:noFill/>
-          <a:ln>
-            <a:noFill/>
-          </a:ln>
-        </p:spPr>
-        <p:txBody>
-          <a:bodyPr vert="horz" wrap="none" lIns="90000" tIns="45000" rIns="90000" bIns="45000" anchorCtr="0" compatLnSpc="0"/>
-          <a:lstStyle/>
-          <a:p>
-            <a:pPr marL="0" marR="0" lvl="0" indent="0" rtl="0" hangingPunct="0">
-              <a:lnSpc>
-                <a:spcPct val="100000"/>
-              </a:lnSpc>
-              <a:spcBef>
-                <a:spcPts val="0"/>
-              </a:spcBef>
-              <a:spcAft>
-                <a:spcPts val="0"/>
-              </a:spcAft>
-              <a:buNone/>
-              <a:tabLst/>
-            </a:pPr>
-            <a:r>
-              <a:rPr lang="fr-FR" sz="1600" b="0" i="0" u="none" strike="noStrike" kern="1200" cap="none">
-                <a:ln>
-                  <a:noFill/>
-                </a:ln>
-                <a:latin typeface="Clear Sans Light" pitchFamily="34"/>
-                <a:ea typeface="Noto Sans CJK SC Regular" pitchFamily="2"/>
-                <a:cs typeface="FreeSans" pitchFamily="2"/>
-                <a:hlinkClick r:id="rId3"/>
-              </a:rPr>
-              <a:t>https://www.sharcnet.ca/help/index.php/Measuring_Parallel_Scaling_Performance</a:t>
-            </a:r>
-            <a:r>
-              <a:rPr lang="fr-FR" sz="1600" b="0" i="0" u="none" strike="noStrike" kern="1200" cap="none">
-                <a:ln>
-                  <a:noFill/>
-                </a:ln>
-                <a:latin typeface="Clear Sans Light" pitchFamily="34"/>
-                <a:ea typeface="Noto Sans CJK SC Regular" pitchFamily="2"/>
-                <a:cs typeface="FreeSans" pitchFamily="2"/>
-              </a:rPr>
-              <a:t> </a:t>
-            </a:r>
-          </a:p>
-        </p:txBody>
-      </p:sp>
-      <p:sp>
-        <p:nvSpPr>
           <p:cNvPr id="5" name="Connecteur droit 4">
             <a:extLst>
               <a:ext uri="{FF2B5EF4-FFF2-40B4-BE49-F238E27FC236}">
@@ -11832,8 +11658,8 @@
           <p:nvPr/>
         </p:nvSpPr>
         <p:spPr>
-          <a:xfrm rot="5400000">
-            <a:off x="-687420" y="7703820"/>
+          <a:xfrm rot="16200000">
+            <a:off x="-185401" y="4225516"/>
             <a:ext cx="3528000" cy="399960"/>
           </a:xfrm>
           <a:prstGeom prst="rect">
@@ -11864,7 +11690,7 @@
               <a:tabLst/>
             </a:pPr>
             <a:r>
-              <a:rPr lang="fr-FR" sz="1800" b="0" i="0" u="none" strike="noStrike" kern="1200" cap="none">
+              <a:rPr lang="fr-FR" sz="1800" b="0" i="0" u="none" strike="noStrike" kern="1200" cap="none" dirty="0">
                 <a:ln>
                   <a:noFill/>
                 </a:ln>
@@ -12372,44 +12198,6 @@
           </a:p>
         </p:txBody>
       </p:sp>
-      <p:pic>
-        <p:nvPicPr>
-          <p:cNvPr id="18" name="Image 17">
-            <a:extLst>
-              <a:ext uri="{FF2B5EF4-FFF2-40B4-BE49-F238E27FC236}">
-                <a16:creationId xmlns:a16="http://schemas.microsoft.com/office/drawing/2014/main" id="{FA6E648B-9F83-EEF7-795A-A3BDBDC38711}"/>
-              </a:ext>
-            </a:extLst>
-          </p:cNvPr>
-          <p:cNvPicPr>
-            <a:picLocks noChangeAspect="1"/>
-          </p:cNvPicPr>
-          <p:nvPr/>
-        </p:nvPicPr>
-        <p:blipFill>
-          <a:blip r:embed="rId4">
-            <a:lum/>
-            <a:alphaModFix/>
-          </a:blip>
-          <a:srcRect/>
-          <a:stretch>
-            <a:fillRect/>
-          </a:stretch>
-        </p:blipFill>
-        <p:spPr>
-          <a:xfrm>
-            <a:off x="575280" y="6335280"/>
-            <a:ext cx="792000" cy="792000"/>
-          </a:xfrm>
-          <a:prstGeom prst="rect">
-            <a:avLst/>
-          </a:prstGeom>
-          <a:noFill/>
-          <a:ln>
-            <a:noFill/>
-          </a:ln>
-        </p:spPr>
-      </p:pic>
       <p:sp>
         <p:nvSpPr>
           <p:cNvPr id="19" name="Forme libre 18">
@@ -21893,7 +21681,7 @@
               <a:tabLst/>
             </a:pPr>
             <a:r>
-              <a:rPr lang="fr-FR" sz="1800" b="0" i="0" u="none" strike="noStrike" kern="1200" cap="none">
+              <a:rPr lang="fr-FR" sz="1800" b="0" i="0" u="none" strike="noStrike" kern="1200" cap="none" dirty="0">
                 <a:ln>
                   <a:noFill/>
                 </a:ln>
@@ -21902,10 +21690,10 @@
                 <a:cs typeface="FreeSans" pitchFamily="2"/>
                 <a:hlinkClick r:id="rId3"/>
               </a:rPr>
-              <a:t>https://www.open-mpi.org/doc/v4.0/man3/MPI_Wtime.3.php</a:t>
+              <a:t>https://rookiehpc.github.io/mpi/docs/mpi_wtime/index.html</a:t>
             </a:r>
             <a:r>
-              <a:rPr lang="fr-FR" sz="1800" b="0" i="0" u="none" strike="noStrike" kern="1200" cap="none">
+              <a:rPr lang="fr-FR" sz="1800" b="0" i="0" u="none" strike="noStrike" kern="1200" cap="none" dirty="0">
                 <a:ln>
                   <a:noFill/>
                 </a:ln>
@@ -28837,74 +28625,6 @@
       </p:sp>
       <p:sp>
         <p:nvSpPr>
-          <p:cNvPr id="5" name="ZoneTexte 4">
-            <a:extLst>
-              <a:ext uri="{FF2B5EF4-FFF2-40B4-BE49-F238E27FC236}">
-                <a16:creationId xmlns:a16="http://schemas.microsoft.com/office/drawing/2014/main" id="{E59B7AC9-2DC2-6910-9A64-AA89FD95DBFA}"/>
-              </a:ext>
-            </a:extLst>
-          </p:cNvPr>
-          <p:cNvSpPr txBox="1"/>
-          <p:nvPr/>
-        </p:nvSpPr>
-        <p:spPr>
-          <a:xfrm>
-            <a:off x="1368360" y="6674040"/>
-            <a:ext cx="8711640" cy="709560"/>
-          </a:xfrm>
-          <a:prstGeom prst="rect">
-            <a:avLst/>
-          </a:prstGeom>
-          <a:noFill/>
-          <a:ln>
-            <a:noFill/>
-          </a:ln>
-        </p:spPr>
-        <p:txBody>
-          <a:bodyPr vert="horz" wrap="none" lIns="90000" tIns="45000" rIns="90000" bIns="45000" anchorCtr="0" compatLnSpc="0"/>
-          <a:lstStyle/>
-          <a:p>
-            <a:pPr marL="0" marR="0" lvl="0" indent="0" rtl="0" hangingPunct="0">
-              <a:lnSpc>
-                <a:spcPct val="100000"/>
-              </a:lnSpc>
-              <a:spcBef>
-                <a:spcPts val="0"/>
-              </a:spcBef>
-              <a:spcAft>
-                <a:spcPts val="0"/>
-              </a:spcAft>
-              <a:buNone/>
-              <a:tabLst/>
-            </a:pPr>
-            <a:r>
-              <a:rPr lang="fr-FR" sz="1600" b="0" i="0" u="none" strike="noStrike" kern="1200" cap="none">
-                <a:ln>
-                  <a:noFill/>
-                </a:ln>
-                <a:latin typeface="Clear Sans Light" pitchFamily="34"/>
-                <a:ea typeface="Noto Sans CJK SC Regular" pitchFamily="2"/>
-                <a:cs typeface="FreeSans" pitchFamily="2"/>
-                <a:hlinkClick r:id="rId3"/>
-              </a:rPr>
-              <a:t>https://www.sharcnet.ca/help/index.php/Measuring_Parallel_Scaling_Performance</a:t>
-            </a:r>
-            <a:r>
-              <a:rPr lang="fr-FR" sz="1600" b="0" i="0" u="none" strike="noStrike" kern="1200" cap="none">
-                <a:ln>
-                  <a:noFill/>
-                </a:ln>
-                <a:latin typeface="Clear Sans Light" pitchFamily="34"/>
-                <a:ea typeface="Noto Sans CJK SC Regular" pitchFamily="2"/>
-                <a:cs typeface="FreeSans" pitchFamily="2"/>
-              </a:rPr>
-              <a:t> </a:t>
-            </a:r>
-          </a:p>
-        </p:txBody>
-      </p:sp>
-      <p:sp>
-        <p:nvSpPr>
           <p:cNvPr id="6" name="Forme libre 5">
             <a:extLst>
               <a:ext uri="{FF2B5EF4-FFF2-40B4-BE49-F238E27FC236}">
@@ -31374,10 +31094,10 @@
       </p:sp>
       <p:pic>
         <p:nvPicPr>
-          <p:cNvPr id="26" name="Image 25">
-            <a:extLst>
-              <a:ext uri="{FF2B5EF4-FFF2-40B4-BE49-F238E27FC236}">
-                <a16:creationId xmlns:a16="http://schemas.microsoft.com/office/drawing/2014/main" id="{B58A26ED-24CC-9110-6D67-E4F83B761412}"/>
+          <p:cNvPr id="27" name="Image 26">
+            <a:extLst>
+              <a:ext uri="{FF2B5EF4-FFF2-40B4-BE49-F238E27FC236}">
+                <a16:creationId xmlns:a16="http://schemas.microsoft.com/office/drawing/2014/main" id="{71D66A9F-7A6B-DCC1-AD65-7D37CB128F9B}"/>
               </a:ext>
             </a:extLst>
           </p:cNvPr>
@@ -31387,45 +31107,7 @@
           <p:nvPr/>
         </p:nvPicPr>
         <p:blipFill>
-          <a:blip r:embed="rId4">
-            <a:lum/>
-            <a:alphaModFix/>
-          </a:blip>
-          <a:srcRect/>
-          <a:stretch>
-            <a:fillRect/>
-          </a:stretch>
-        </p:blipFill>
-        <p:spPr>
-          <a:xfrm>
-            <a:off x="576000" y="6336000"/>
-            <a:ext cx="792000" cy="792000"/>
-          </a:xfrm>
-          <a:prstGeom prst="rect">
-            <a:avLst/>
-          </a:prstGeom>
-          <a:noFill/>
-          <a:ln>
-            <a:noFill/>
-          </a:ln>
-        </p:spPr>
-      </p:pic>
-      <p:pic>
-        <p:nvPicPr>
-          <p:cNvPr id="27" name="Image 26">
-            <a:extLst>
-              <a:ext uri="{FF2B5EF4-FFF2-40B4-BE49-F238E27FC236}">
-                <a16:creationId xmlns:a16="http://schemas.microsoft.com/office/drawing/2014/main" id="{71D66A9F-7A6B-DCC1-AD65-7D37CB128F9B}"/>
-              </a:ext>
-            </a:extLst>
-          </p:cNvPr>
-          <p:cNvPicPr>
-            <a:picLocks noChangeAspect="1"/>
-          </p:cNvPicPr>
-          <p:nvPr/>
-        </p:nvPicPr>
-        <p:blipFill>
-          <a:blip r:embed="rId5">
+          <a:blip r:embed="rId3">
             <a:lum/>
             <a:alphaModFix/>
           </a:blip>
@@ -31783,74 +31465,6 @@
                 <a:cs typeface="FreeSans" pitchFamily="2"/>
               </a:rPr>
               <a:t>Master DFE – Calcul haute performance – Mesure de la Performance</a:t>
-            </a:r>
-          </a:p>
-        </p:txBody>
-      </p:sp>
-      <p:sp>
-        <p:nvSpPr>
-          <p:cNvPr id="5" name="ZoneTexte 4">
-            <a:extLst>
-              <a:ext uri="{FF2B5EF4-FFF2-40B4-BE49-F238E27FC236}">
-                <a16:creationId xmlns:a16="http://schemas.microsoft.com/office/drawing/2014/main" id="{5AC3CBE9-BC2A-CA56-2C41-62FE3BC0F2B6}"/>
-              </a:ext>
-            </a:extLst>
-          </p:cNvPr>
-          <p:cNvSpPr txBox="1"/>
-          <p:nvPr/>
-        </p:nvSpPr>
-        <p:spPr>
-          <a:xfrm>
-            <a:off x="1179002" y="6672665"/>
-            <a:ext cx="8711640" cy="709560"/>
-          </a:xfrm>
-          <a:prstGeom prst="rect">
-            <a:avLst/>
-          </a:prstGeom>
-          <a:noFill/>
-          <a:ln>
-            <a:noFill/>
-          </a:ln>
-        </p:spPr>
-        <p:txBody>
-          <a:bodyPr vert="horz" wrap="none" lIns="90000" tIns="45000" rIns="90000" bIns="45000" anchorCtr="0" compatLnSpc="0"/>
-          <a:lstStyle/>
-          <a:p>
-            <a:pPr marL="0" marR="0" lvl="0" indent="0" rtl="0" hangingPunct="0">
-              <a:lnSpc>
-                <a:spcPct val="100000"/>
-              </a:lnSpc>
-              <a:spcBef>
-                <a:spcPts val="0"/>
-              </a:spcBef>
-              <a:spcAft>
-                <a:spcPts val="0"/>
-              </a:spcAft>
-              <a:buNone/>
-              <a:tabLst/>
-            </a:pPr>
-            <a:r>
-              <a:rPr lang="fr-FR" sz="1600" b="0" i="0" u="none" strike="noStrike" kern="1200" cap="none" dirty="0">
-                <a:ln>
-                  <a:noFill/>
-                </a:ln>
-                <a:latin typeface="Clear Sans Light" pitchFamily="34"/>
-                <a:ea typeface="Noto Sans CJK SC Regular" pitchFamily="2"/>
-                <a:cs typeface="FreeSans" pitchFamily="2"/>
-                <a:hlinkClick r:id="rId3"/>
-              </a:rPr>
-              <a:t>https://www.sharcnet.ca/help/index.php/Measuring_Parallel_Scaling_Performance</a:t>
-            </a:r>
-            <a:r>
-              <a:rPr lang="fr-FR" sz="1600" b="0" i="0" u="none" strike="noStrike" kern="1200" cap="none" dirty="0">
-                <a:ln>
-                  <a:noFill/>
-                </a:ln>
-                <a:latin typeface="Clear Sans Light" pitchFamily="34"/>
-                <a:ea typeface="Noto Sans CJK SC Regular" pitchFamily="2"/>
-                <a:cs typeface="FreeSans" pitchFamily="2"/>
-              </a:rPr>
-              <a:t> </a:t>
             </a:r>
           </a:p>
         </p:txBody>
@@ -34339,7 +33953,7 @@
           <p:nvPr/>
         </p:nvPicPr>
         <p:blipFill>
-          <a:blip r:embed="rId4">
+          <a:blip r:embed="rId3">
             <a:lum/>
             <a:alphaModFix/>
           </a:blip>
@@ -34352,44 +33966,6 @@
           <a:xfrm>
             <a:off x="648000" y="1872000"/>
             <a:ext cx="792000" cy="792000"/>
-          </a:xfrm>
-          <a:prstGeom prst="rect">
-            <a:avLst/>
-          </a:prstGeom>
-          <a:noFill/>
-          <a:ln>
-            <a:noFill/>
-          </a:ln>
-        </p:spPr>
-      </p:pic>
-      <p:pic>
-        <p:nvPicPr>
-          <p:cNvPr id="26" name="Image 25">
-            <a:extLst>
-              <a:ext uri="{FF2B5EF4-FFF2-40B4-BE49-F238E27FC236}">
-                <a16:creationId xmlns:a16="http://schemas.microsoft.com/office/drawing/2014/main" id="{31AE311C-04CB-78BE-B850-2A935F552A97}"/>
-              </a:ext>
-            </a:extLst>
-          </p:cNvPr>
-          <p:cNvPicPr>
-            <a:picLocks noChangeAspect="1"/>
-          </p:cNvPicPr>
-          <p:nvPr/>
-        </p:nvPicPr>
-        <p:blipFill>
-          <a:blip r:embed="rId4">
-            <a:lum/>
-            <a:alphaModFix/>
-          </a:blip>
-          <a:srcRect/>
-          <a:stretch>
-            <a:fillRect/>
-          </a:stretch>
-        </p:blipFill>
-        <p:spPr>
-          <a:xfrm>
-            <a:off x="540000" y="6642294"/>
-            <a:ext cx="485705" cy="485705"/>
           </a:xfrm>
           <a:prstGeom prst="rect">
             <a:avLst/>
@@ -34693,74 +34269,6 @@
                 <a:cs typeface="FreeSans" pitchFamily="2"/>
               </a:rPr>
               <a:t>Master DFE – Calcul haute performance – Mesure de la Performance</a:t>
-            </a:r>
-          </a:p>
-        </p:txBody>
-      </p:sp>
-      <p:sp>
-        <p:nvSpPr>
-          <p:cNvPr id="4" name="ZoneTexte 3">
-            <a:extLst>
-              <a:ext uri="{FF2B5EF4-FFF2-40B4-BE49-F238E27FC236}">
-                <a16:creationId xmlns:a16="http://schemas.microsoft.com/office/drawing/2014/main" id="{9D217B33-D1CA-5115-A4A7-A4433BAFE619}"/>
-              </a:ext>
-            </a:extLst>
-          </p:cNvPr>
-          <p:cNvSpPr txBox="1"/>
-          <p:nvPr/>
-        </p:nvSpPr>
-        <p:spPr>
-          <a:xfrm>
-            <a:off x="1368360" y="6674040"/>
-            <a:ext cx="8711640" cy="709560"/>
-          </a:xfrm>
-          <a:prstGeom prst="rect">
-            <a:avLst/>
-          </a:prstGeom>
-          <a:noFill/>
-          <a:ln>
-            <a:noFill/>
-          </a:ln>
-        </p:spPr>
-        <p:txBody>
-          <a:bodyPr vert="horz" wrap="none" lIns="90000" tIns="45000" rIns="90000" bIns="45000" anchorCtr="0" compatLnSpc="0"/>
-          <a:lstStyle/>
-          <a:p>
-            <a:pPr marL="0" marR="0" lvl="0" indent="0" rtl="0" hangingPunct="0">
-              <a:lnSpc>
-                <a:spcPct val="100000"/>
-              </a:lnSpc>
-              <a:spcBef>
-                <a:spcPts val="0"/>
-              </a:spcBef>
-              <a:spcAft>
-                <a:spcPts val="0"/>
-              </a:spcAft>
-              <a:buNone/>
-              <a:tabLst/>
-            </a:pPr>
-            <a:r>
-              <a:rPr lang="fr-FR" sz="1600" b="0" i="0" u="none" strike="noStrike" kern="1200" cap="none">
-                <a:ln>
-                  <a:noFill/>
-                </a:ln>
-                <a:latin typeface="Clear Sans Light" pitchFamily="34"/>
-                <a:ea typeface="Noto Sans CJK SC Regular" pitchFamily="2"/>
-                <a:cs typeface="FreeSans" pitchFamily="2"/>
-                <a:hlinkClick r:id="rId3"/>
-              </a:rPr>
-              <a:t>https://www.sharcnet.ca/help/index.php/Measuring_Parallel_Scaling_Performance</a:t>
-            </a:r>
-            <a:r>
-              <a:rPr lang="fr-FR" sz="1600" b="0" i="0" u="none" strike="noStrike" kern="1200" cap="none">
-                <a:ln>
-                  <a:noFill/>
-                </a:ln>
-                <a:latin typeface="Clear Sans Light" pitchFamily="34"/>
-                <a:ea typeface="Noto Sans CJK SC Regular" pitchFamily="2"/>
-                <a:cs typeface="FreeSans" pitchFamily="2"/>
-              </a:rPr>
-              <a:t> </a:t>
             </a:r>
           </a:p>
         </p:txBody>
@@ -35096,64 +34604,6 @@
       </p:sp>
       <p:sp>
         <p:nvSpPr>
-          <p:cNvPr id="9" name="ZoneTexte 8">
-            <a:extLst>
-              <a:ext uri="{FF2B5EF4-FFF2-40B4-BE49-F238E27FC236}">
-                <a16:creationId xmlns:a16="http://schemas.microsoft.com/office/drawing/2014/main" id="{EDBE4513-CA11-9827-47F9-797546D99E9A}"/>
-              </a:ext>
-            </a:extLst>
-          </p:cNvPr>
-          <p:cNvSpPr txBox="1"/>
-          <p:nvPr/>
-        </p:nvSpPr>
-        <p:spPr>
-          <a:xfrm rot="5400000">
-            <a:off x="-471781" y="8027819"/>
-            <a:ext cx="3528000" cy="399960"/>
-          </a:xfrm>
-          <a:prstGeom prst="rect">
-            <a:avLst/>
-          </a:prstGeom>
-          <a:noFill/>
-          <a:ln>
-            <a:noFill/>
-          </a:ln>
-        </p:spPr>
-        <p:txBody>
-          <a:bodyPr vert="horz" wrap="none" lIns="90000" tIns="45000" rIns="90000" bIns="45000" anchorCtr="0" compatLnSpc="0">
-            <a:spAutoFit/>
-          </a:bodyPr>
-          <a:lstStyle/>
-          <a:p>
-            <a:pPr marL="0" marR="0" lvl="0" indent="0" algn="ctr" rtl="0" hangingPunct="0">
-              <a:lnSpc>
-                <a:spcPct val="100000"/>
-              </a:lnSpc>
-              <a:spcBef>
-                <a:spcPts val="0"/>
-              </a:spcBef>
-              <a:spcAft>
-                <a:spcPts val="0"/>
-              </a:spcAft>
-              <a:buNone/>
-              <a:tabLst/>
-            </a:pPr>
-            <a:r>
-              <a:rPr lang="fr-FR" sz="1800" b="0" i="0" u="none" strike="noStrike" kern="1200" cap="none">
-                <a:ln>
-                  <a:noFill/>
-                </a:ln>
-                <a:latin typeface="Clear Sans Light" pitchFamily="34"/>
-                <a:ea typeface="Noto Sans CJK SC Regular" pitchFamily="2"/>
-                <a:cs typeface="FreeSans" pitchFamily="2"/>
-              </a:rPr>
-              <a:t>Efficacité</a:t>
-            </a:r>
-          </a:p>
-        </p:txBody>
-      </p:sp>
-      <p:sp>
-        <p:nvSpPr>
           <p:cNvPr id="10" name="Connecteur droit 9">
             <a:extLst>
               <a:ext uri="{FF2B5EF4-FFF2-40B4-BE49-F238E27FC236}">
@@ -35649,10 +35099,10 @@
       </p:sp>
       <p:pic>
         <p:nvPicPr>
-          <p:cNvPr id="18" name="Image 17">
-            <a:extLst>
-              <a:ext uri="{FF2B5EF4-FFF2-40B4-BE49-F238E27FC236}">
-                <a16:creationId xmlns:a16="http://schemas.microsoft.com/office/drawing/2014/main" id="{F054B6A3-D25B-507A-569E-3CB3FCE1DAC9}"/>
+          <p:cNvPr id="19" name="Image 18">
+            <a:extLst>
+              <a:ext uri="{FF2B5EF4-FFF2-40B4-BE49-F238E27FC236}">
+                <a16:creationId xmlns:a16="http://schemas.microsoft.com/office/drawing/2014/main" id="{F65F1A1C-7476-0076-33BD-AAF814BA156D}"/>
               </a:ext>
             </a:extLst>
           </p:cNvPr>
@@ -35662,45 +35112,7 @@
           <p:nvPr/>
         </p:nvPicPr>
         <p:blipFill>
-          <a:blip r:embed="rId4">
-            <a:lum/>
-            <a:alphaModFix/>
-          </a:blip>
-          <a:srcRect/>
-          <a:stretch>
-            <a:fillRect/>
-          </a:stretch>
-        </p:blipFill>
-        <p:spPr>
-          <a:xfrm>
-            <a:off x="576000" y="6336000"/>
-            <a:ext cx="792000" cy="792000"/>
-          </a:xfrm>
-          <a:prstGeom prst="rect">
-            <a:avLst/>
-          </a:prstGeom>
-          <a:noFill/>
-          <a:ln>
-            <a:noFill/>
-          </a:ln>
-        </p:spPr>
-      </p:pic>
-      <p:pic>
-        <p:nvPicPr>
-          <p:cNvPr id="19" name="Image 18">
-            <a:extLst>
-              <a:ext uri="{FF2B5EF4-FFF2-40B4-BE49-F238E27FC236}">
-                <a16:creationId xmlns:a16="http://schemas.microsoft.com/office/drawing/2014/main" id="{F65F1A1C-7476-0076-33BD-AAF814BA156D}"/>
-              </a:ext>
-            </a:extLst>
-          </p:cNvPr>
-          <p:cNvPicPr>
-            <a:picLocks noChangeAspect="1"/>
-          </p:cNvPicPr>
-          <p:nvPr/>
-        </p:nvPicPr>
-        <p:blipFill>
-          <a:blip r:embed="rId5">
+          <a:blip r:embed="rId3">
             <a:lum/>
             <a:alphaModFix/>
           </a:blip>
@@ -36003,6 +35415,64 @@
           </a:p>
         </p:txBody>
       </p:sp>
+      <p:sp>
+        <p:nvSpPr>
+          <p:cNvPr id="20" name="ZoneTexte 19">
+            <a:extLst>
+              <a:ext uri="{FF2B5EF4-FFF2-40B4-BE49-F238E27FC236}">
+                <a16:creationId xmlns:a16="http://schemas.microsoft.com/office/drawing/2014/main" id="{3650415F-75E9-9054-FB0D-12C5AA7A518F}"/>
+              </a:ext>
+            </a:extLst>
+          </p:cNvPr>
+          <p:cNvSpPr txBox="1"/>
+          <p:nvPr/>
+        </p:nvSpPr>
+        <p:spPr>
+          <a:xfrm rot="16200000">
+            <a:off x="-73786" y="4596339"/>
+            <a:ext cx="3528000" cy="399960"/>
+          </a:xfrm>
+          <a:prstGeom prst="rect">
+            <a:avLst/>
+          </a:prstGeom>
+          <a:noFill/>
+          <a:ln>
+            <a:noFill/>
+          </a:ln>
+        </p:spPr>
+        <p:txBody>
+          <a:bodyPr vert="horz" wrap="none" lIns="90000" tIns="45000" rIns="90000" bIns="45000" anchorCtr="0" compatLnSpc="0">
+            <a:spAutoFit/>
+          </a:bodyPr>
+          <a:lstStyle/>
+          <a:p>
+            <a:pPr marL="0" marR="0" lvl="0" indent="0" algn="ctr" rtl="0" hangingPunct="0">
+              <a:lnSpc>
+                <a:spcPct val="100000"/>
+              </a:lnSpc>
+              <a:spcBef>
+                <a:spcPts val="0"/>
+              </a:spcBef>
+              <a:spcAft>
+                <a:spcPts val="0"/>
+              </a:spcAft>
+              <a:buNone/>
+              <a:tabLst/>
+            </a:pPr>
+            <a:r>
+              <a:rPr lang="fr-FR" sz="1800" b="0" i="0" u="none" strike="noStrike" kern="1200" cap="none" dirty="0">
+                <a:ln>
+                  <a:noFill/>
+                </a:ln>
+                <a:latin typeface="Clear Sans Light" pitchFamily="34"/>
+                <a:ea typeface="Noto Sans CJK SC Regular" pitchFamily="2"/>
+                <a:cs typeface="FreeSans" pitchFamily="2"/>
+              </a:rPr>
+              <a:t>Efficacité</a:t>
+            </a:r>
+          </a:p>
+        </p:txBody>
+      </p:sp>
     </p:spTree>
   </p:cSld>
   <p:clrMapOvr>
@@ -36204,74 +35674,6 @@
                 <a:cs typeface="FreeSans" pitchFamily="2"/>
               </a:rPr>
               <a:t>Master DFE – Calcul haute performance – Mesure de la Performance</a:t>
-            </a:r>
-          </a:p>
-        </p:txBody>
-      </p:sp>
-      <p:sp>
-        <p:nvSpPr>
-          <p:cNvPr id="5" name="ZoneTexte 4">
-            <a:extLst>
-              <a:ext uri="{FF2B5EF4-FFF2-40B4-BE49-F238E27FC236}">
-                <a16:creationId xmlns:a16="http://schemas.microsoft.com/office/drawing/2014/main" id="{F4F249AF-36A4-1C2C-2F78-7C946F11EC16}"/>
-              </a:ext>
-            </a:extLst>
-          </p:cNvPr>
-          <p:cNvSpPr txBox="1"/>
-          <p:nvPr/>
-        </p:nvSpPr>
-        <p:spPr>
-          <a:xfrm>
-            <a:off x="1368360" y="6674040"/>
-            <a:ext cx="8711640" cy="709560"/>
-          </a:xfrm>
-          <a:prstGeom prst="rect">
-            <a:avLst/>
-          </a:prstGeom>
-          <a:noFill/>
-          <a:ln>
-            <a:noFill/>
-          </a:ln>
-        </p:spPr>
-        <p:txBody>
-          <a:bodyPr vert="horz" wrap="none" lIns="90000" tIns="45000" rIns="90000" bIns="45000" anchorCtr="0" compatLnSpc="0"/>
-          <a:lstStyle/>
-          <a:p>
-            <a:pPr marL="0" marR="0" lvl="0" indent="0" rtl="0" hangingPunct="0">
-              <a:lnSpc>
-                <a:spcPct val="100000"/>
-              </a:lnSpc>
-              <a:spcBef>
-                <a:spcPts val="0"/>
-              </a:spcBef>
-              <a:spcAft>
-                <a:spcPts val="0"/>
-              </a:spcAft>
-              <a:buNone/>
-              <a:tabLst/>
-            </a:pPr>
-            <a:r>
-              <a:rPr lang="fr-FR" sz="1600" b="0" i="0" u="none" strike="noStrike" kern="1200" cap="none">
-                <a:ln>
-                  <a:noFill/>
-                </a:ln>
-                <a:latin typeface="Clear Sans Light" pitchFamily="34"/>
-                <a:ea typeface="Noto Sans CJK SC Regular" pitchFamily="2"/>
-                <a:cs typeface="FreeSans" pitchFamily="2"/>
-                <a:hlinkClick r:id="rId3"/>
-              </a:rPr>
-              <a:t>https://www.sharcnet.ca/help/index.php/Measuring_Parallel_Scaling_Performance</a:t>
-            </a:r>
-            <a:r>
-              <a:rPr lang="fr-FR" sz="1600" b="0" i="0" u="none" strike="noStrike" kern="1200" cap="none">
-                <a:ln>
-                  <a:noFill/>
-                </a:ln>
-                <a:latin typeface="Clear Sans Light" pitchFamily="34"/>
-                <a:ea typeface="Noto Sans CJK SC Regular" pitchFamily="2"/>
-                <a:cs typeface="FreeSans" pitchFamily="2"/>
-              </a:rPr>
-              <a:t> </a:t>
             </a:r>
           </a:p>
         </p:txBody>
@@ -41377,7 +40779,7 @@
           <p:nvPr/>
         </p:nvPicPr>
         <p:blipFill>
-          <a:blip r:embed="rId4">
+          <a:blip r:embed="rId3">
             <a:lum/>
             <a:alphaModFix/>
           </a:blip>
@@ -41390,44 +40792,6 @@
           <a:xfrm>
             <a:off x="432000" y="1872000"/>
             <a:ext cx="900000" cy="900000"/>
-          </a:xfrm>
-          <a:prstGeom prst="rect">
-            <a:avLst/>
-          </a:prstGeom>
-          <a:noFill/>
-          <a:ln>
-            <a:noFill/>
-          </a:ln>
-        </p:spPr>
-      </p:pic>
-      <p:pic>
-        <p:nvPicPr>
-          <p:cNvPr id="44" name="Image 43">
-            <a:extLst>
-              <a:ext uri="{FF2B5EF4-FFF2-40B4-BE49-F238E27FC236}">
-                <a16:creationId xmlns:a16="http://schemas.microsoft.com/office/drawing/2014/main" id="{CAB074C4-0E77-8A90-2672-11E209051D61}"/>
-              </a:ext>
-            </a:extLst>
-          </p:cNvPr>
-          <p:cNvPicPr>
-            <a:picLocks noChangeAspect="1"/>
-          </p:cNvPicPr>
-          <p:nvPr/>
-        </p:nvPicPr>
-        <p:blipFill>
-          <a:blip r:embed="rId5">
-            <a:lum/>
-            <a:alphaModFix/>
-          </a:blip>
-          <a:srcRect/>
-          <a:stretch>
-            <a:fillRect/>
-          </a:stretch>
-        </p:blipFill>
-        <p:spPr>
-          <a:xfrm>
-            <a:off x="575640" y="6335640"/>
-            <a:ext cx="792000" cy="792000"/>
           </a:xfrm>
           <a:prstGeom prst="rect">
             <a:avLst/>
@@ -41818,74 +41182,6 @@
                 <a:cs typeface="FreeSans" pitchFamily="2"/>
               </a:rPr>
               <a:t>Master DFE – Calcul haute performance – Mesure de la Performance</a:t>
-            </a:r>
-          </a:p>
-        </p:txBody>
-      </p:sp>
-      <p:sp>
-        <p:nvSpPr>
-          <p:cNvPr id="5" name="ZoneTexte 4">
-            <a:extLst>
-              <a:ext uri="{FF2B5EF4-FFF2-40B4-BE49-F238E27FC236}">
-                <a16:creationId xmlns:a16="http://schemas.microsoft.com/office/drawing/2014/main" id="{73CE2151-DD47-8C51-439B-C516A96488CE}"/>
-              </a:ext>
-            </a:extLst>
-          </p:cNvPr>
-          <p:cNvSpPr txBox="1"/>
-          <p:nvPr/>
-        </p:nvSpPr>
-        <p:spPr>
-          <a:xfrm>
-            <a:off x="1368360" y="6674040"/>
-            <a:ext cx="8711640" cy="709560"/>
-          </a:xfrm>
-          <a:prstGeom prst="rect">
-            <a:avLst/>
-          </a:prstGeom>
-          <a:noFill/>
-          <a:ln>
-            <a:noFill/>
-          </a:ln>
-        </p:spPr>
-        <p:txBody>
-          <a:bodyPr vert="horz" wrap="none" lIns="90000" tIns="45000" rIns="90000" bIns="45000" anchorCtr="0" compatLnSpc="0"/>
-          <a:lstStyle/>
-          <a:p>
-            <a:pPr marL="0" marR="0" lvl="0" indent="0" rtl="0" hangingPunct="0">
-              <a:lnSpc>
-                <a:spcPct val="100000"/>
-              </a:lnSpc>
-              <a:spcBef>
-                <a:spcPts val="0"/>
-              </a:spcBef>
-              <a:spcAft>
-                <a:spcPts val="0"/>
-              </a:spcAft>
-              <a:buNone/>
-              <a:tabLst/>
-            </a:pPr>
-            <a:r>
-              <a:rPr lang="fr-FR" sz="1600" b="0" i="0" u="none" strike="noStrike" kern="1200" cap="none">
-                <a:ln>
-                  <a:noFill/>
-                </a:ln>
-                <a:latin typeface="Clear Sans Light" pitchFamily="34"/>
-                <a:ea typeface="Noto Sans CJK SC Regular" pitchFamily="2"/>
-                <a:cs typeface="FreeSans" pitchFamily="2"/>
-                <a:hlinkClick r:id="rId3"/>
-              </a:rPr>
-              <a:t>https://www.sharcnet.ca/help/index.php/Measuring_Parallel_Scaling_Performance</a:t>
-            </a:r>
-            <a:r>
-              <a:rPr lang="fr-FR" sz="1600" b="0" i="0" u="none" strike="noStrike" kern="1200" cap="none">
-                <a:ln>
-                  <a:noFill/>
-                </a:ln>
-                <a:latin typeface="Clear Sans Light" pitchFamily="34"/>
-                <a:ea typeface="Noto Sans CJK SC Regular" pitchFamily="2"/>
-                <a:cs typeface="FreeSans" pitchFamily="2"/>
-              </a:rPr>
-              <a:t> </a:t>
             </a:r>
           </a:p>
         </p:txBody>
@@ -46978,10 +46274,10 @@
       </p:sp>
       <p:pic>
         <p:nvPicPr>
-          <p:cNvPr id="42" name="Image 41">
-            <a:extLst>
-              <a:ext uri="{FF2B5EF4-FFF2-40B4-BE49-F238E27FC236}">
-                <a16:creationId xmlns:a16="http://schemas.microsoft.com/office/drawing/2014/main" id="{4BDA5381-5A5E-53EE-BD92-91A1B342F9DE}"/>
+          <p:cNvPr id="43" name="Image 42">
+            <a:extLst>
+              <a:ext uri="{FF2B5EF4-FFF2-40B4-BE49-F238E27FC236}">
+                <a16:creationId xmlns:a16="http://schemas.microsoft.com/office/drawing/2014/main" id="{A2B6C881-180E-373C-130C-094206A5A834}"/>
               </a:ext>
             </a:extLst>
           </p:cNvPr>
@@ -46991,45 +46287,7 @@
           <p:nvPr/>
         </p:nvPicPr>
         <p:blipFill>
-          <a:blip r:embed="rId4">
-            <a:lum/>
-            <a:alphaModFix/>
-          </a:blip>
-          <a:srcRect/>
-          <a:stretch>
-            <a:fillRect/>
-          </a:stretch>
-        </p:blipFill>
-        <p:spPr>
-          <a:xfrm>
-            <a:off x="575280" y="6630414"/>
-            <a:ext cx="496866" cy="496866"/>
-          </a:xfrm>
-          <a:prstGeom prst="rect">
-            <a:avLst/>
-          </a:prstGeom>
-          <a:noFill/>
-          <a:ln>
-            <a:noFill/>
-          </a:ln>
-        </p:spPr>
-      </p:pic>
-      <p:pic>
-        <p:nvPicPr>
-          <p:cNvPr id="43" name="Image 42">
-            <a:extLst>
-              <a:ext uri="{FF2B5EF4-FFF2-40B4-BE49-F238E27FC236}">
-                <a16:creationId xmlns:a16="http://schemas.microsoft.com/office/drawing/2014/main" id="{A2B6C881-180E-373C-130C-094206A5A834}"/>
-              </a:ext>
-            </a:extLst>
-          </p:cNvPr>
-          <p:cNvPicPr>
-            <a:picLocks noChangeAspect="1"/>
-          </p:cNvPicPr>
-          <p:nvPr/>
-        </p:nvPicPr>
-        <p:blipFill>
-          <a:blip r:embed="rId4">
+          <a:blip r:embed="rId3">
             <a:lum/>
             <a:alphaModFix/>
           </a:blip>
